--- a/Catalogo_cine.pptx
+++ b/Catalogo_cine.pptx
@@ -7,9 +7,9 @@
   <p:sldIdLst>
     <p:sldId id="256" r:id="rId2"/>
     <p:sldId id="257" r:id="rId3"/>
-    <p:sldId id="258" r:id="rId4"/>
-    <p:sldId id="259" r:id="rId5"/>
-    <p:sldId id="260" r:id="rId6"/>
+    <p:sldId id="259" r:id="rId4"/>
+    <p:sldId id="260" r:id="rId5"/>
+    <p:sldId id="264" r:id="rId6"/>
     <p:sldId id="261" r:id="rId7"/>
     <p:sldId id="262" r:id="rId8"/>
     <p:sldId id="263" r:id="rId9"/>
@@ -111,6 +111,11 @@
       </a:defRPr>
     </a:lvl9pPr>
   </p:defaultTextStyle>
+  <p:extLst>
+    <p:ext uri="{EFAFB233-063F-42B5-8137-9DF3F51BA10A}">
+      <p15:sldGuideLst xmlns:p15="http://schemas.microsoft.com/office/powerpoint/2012/main"/>
+    </p:ext>
+  </p:extLst>
 </p:presentation>
 </file>
 
@@ -343,7 +348,7 @@
           <a:p>
             <a:fld id="{4797F300-751A-4057-9EAF-5C3CBF1DFDCE}" type="datetimeFigureOut">
               <a:rPr lang="es-CL" smtClean="0"/>
-              <a:t>06-10-2020</a:t>
+              <a:t>10-11-2020</a:t>
             </a:fld>
             <a:endParaRPr lang="es-CL"/>
           </a:p>
@@ -677,7 +682,7 @@
           <a:p>
             <a:fld id="{4797F300-751A-4057-9EAF-5C3CBF1DFDCE}" type="datetimeFigureOut">
               <a:rPr lang="es-CL" smtClean="0"/>
-              <a:t>06-10-2020</a:t>
+              <a:t>10-11-2020</a:t>
             </a:fld>
             <a:endParaRPr lang="es-CL"/>
           </a:p>
@@ -955,7 +960,7 @@
           <a:p>
             <a:fld id="{4797F300-751A-4057-9EAF-5C3CBF1DFDCE}" type="datetimeFigureOut">
               <a:rPr lang="es-CL" smtClean="0"/>
-              <a:t>06-10-2020</a:t>
+              <a:t>10-11-2020</a:t>
             </a:fld>
             <a:endParaRPr lang="es-CL"/>
           </a:p>
@@ -1523,7 +1528,7 @@
           <a:p>
             <a:fld id="{4797F300-751A-4057-9EAF-5C3CBF1DFDCE}" type="datetimeFigureOut">
               <a:rPr lang="es-CL" smtClean="0"/>
-              <a:t>06-10-2020</a:t>
+              <a:t>10-11-2020</a:t>
             </a:fld>
             <a:endParaRPr lang="es-CL"/>
           </a:p>
@@ -1801,7 +1806,7 @@
           <a:p>
             <a:fld id="{4797F300-751A-4057-9EAF-5C3CBF1DFDCE}" type="datetimeFigureOut">
               <a:rPr lang="es-CL" smtClean="0"/>
-              <a:t>06-10-2020</a:t>
+              <a:t>10-11-2020</a:t>
             </a:fld>
             <a:endParaRPr lang="es-CL"/>
           </a:p>
@@ -2363,7 +2368,7 @@
           <a:p>
             <a:fld id="{4797F300-751A-4057-9EAF-5C3CBF1DFDCE}" type="datetimeFigureOut">
               <a:rPr lang="es-CL" smtClean="0"/>
-              <a:t>06-10-2020</a:t>
+              <a:t>10-11-2020</a:t>
             </a:fld>
             <a:endParaRPr lang="es-CL"/>
           </a:p>
@@ -2690,7 +2695,7 @@
           <a:p>
             <a:fld id="{4797F300-751A-4057-9EAF-5C3CBF1DFDCE}" type="datetimeFigureOut">
               <a:rPr lang="es-CL" smtClean="0"/>
-              <a:t>06-10-2020</a:t>
+              <a:t>10-11-2020</a:t>
             </a:fld>
             <a:endParaRPr lang="es-CL"/>
           </a:p>
@@ -2867,7 +2872,7 @@
           <a:p>
             <a:fld id="{4797F300-751A-4057-9EAF-5C3CBF1DFDCE}" type="datetimeFigureOut">
               <a:rPr lang="es-CL" smtClean="0"/>
-              <a:t>06-10-2020</a:t>
+              <a:t>10-11-2020</a:t>
             </a:fld>
             <a:endParaRPr lang="es-CL"/>
           </a:p>
@@ -3105,7 +3110,7 @@
           <a:p>
             <a:fld id="{4797F300-751A-4057-9EAF-5C3CBF1DFDCE}" type="datetimeFigureOut">
               <a:rPr lang="es-CL" smtClean="0"/>
-              <a:t>06-10-2020</a:t>
+              <a:t>10-11-2020</a:t>
             </a:fld>
             <a:endParaRPr lang="es-CL"/>
           </a:p>
@@ -3305,7 +3310,7 @@
           <a:p>
             <a:fld id="{4797F300-751A-4057-9EAF-5C3CBF1DFDCE}" type="datetimeFigureOut">
               <a:rPr lang="es-CL" smtClean="0"/>
-              <a:t>06-10-2020</a:t>
+              <a:t>10-11-2020</a:t>
             </a:fld>
             <a:endParaRPr lang="es-CL"/>
           </a:p>
@@ -3581,7 +3586,7 @@
           <a:p>
             <a:fld id="{4797F300-751A-4057-9EAF-5C3CBF1DFDCE}" type="datetimeFigureOut">
               <a:rPr lang="es-CL" smtClean="0"/>
-              <a:t>06-10-2020</a:t>
+              <a:t>10-11-2020</a:t>
             </a:fld>
             <a:endParaRPr lang="es-CL"/>
           </a:p>
@@ -3847,7 +3852,7 @@
           <a:p>
             <a:fld id="{4797F300-751A-4057-9EAF-5C3CBF1DFDCE}" type="datetimeFigureOut">
               <a:rPr lang="es-CL" smtClean="0"/>
-              <a:t>06-10-2020</a:t>
+              <a:t>10-11-2020</a:t>
             </a:fld>
             <a:endParaRPr lang="es-CL"/>
           </a:p>
@@ -4221,7 +4226,7 @@
           <a:p>
             <a:fld id="{4797F300-751A-4057-9EAF-5C3CBF1DFDCE}" type="datetimeFigureOut">
               <a:rPr lang="es-CL" smtClean="0"/>
-              <a:t>06-10-2020</a:t>
+              <a:t>10-11-2020</a:t>
             </a:fld>
             <a:endParaRPr lang="es-CL"/>
           </a:p>
@@ -4369,7 +4374,7 @@
           <a:p>
             <a:fld id="{4797F300-751A-4057-9EAF-5C3CBF1DFDCE}" type="datetimeFigureOut">
               <a:rPr lang="es-CL" smtClean="0"/>
-              <a:t>06-10-2020</a:t>
+              <a:t>10-11-2020</a:t>
             </a:fld>
             <a:endParaRPr lang="es-CL"/>
           </a:p>
@@ -4494,7 +4499,7 @@
           <a:p>
             <a:fld id="{4797F300-751A-4057-9EAF-5C3CBF1DFDCE}" type="datetimeFigureOut">
               <a:rPr lang="es-CL" smtClean="0"/>
-              <a:t>06-10-2020</a:t>
+              <a:t>10-11-2020</a:t>
             </a:fld>
             <a:endParaRPr lang="es-CL"/>
           </a:p>
@@ -4779,7 +4784,7 @@
           <a:p>
             <a:fld id="{4797F300-751A-4057-9EAF-5C3CBF1DFDCE}" type="datetimeFigureOut">
               <a:rPr lang="es-CL" smtClean="0"/>
-              <a:t>06-10-2020</a:t>
+              <a:t>10-11-2020</a:t>
             </a:fld>
             <a:endParaRPr lang="es-CL"/>
           </a:p>
@@ -5103,7 +5108,7 @@
           <a:p>
             <a:fld id="{4797F300-751A-4057-9EAF-5C3CBF1DFDCE}" type="datetimeFigureOut">
               <a:rPr lang="es-CL" smtClean="0"/>
-              <a:t>06-10-2020</a:t>
+              <a:t>10-11-2020</a:t>
             </a:fld>
             <a:endParaRPr lang="es-CL"/>
           </a:p>
@@ -5317,7 +5322,7 @@
           <a:p>
             <a:fld id="{4797F300-751A-4057-9EAF-5C3CBF1DFDCE}" type="datetimeFigureOut">
               <a:rPr lang="es-CL" smtClean="0"/>
-              <a:t>06-10-2020</a:t>
+              <a:t>10-11-2020</a:t>
             </a:fld>
             <a:endParaRPr lang="es-CL"/>
           </a:p>
@@ -6132,8 +6137,8 @@
         </p:nvSpPr>
         <p:spPr>
           <a:xfrm>
-            <a:off x="685802" y="609600"/>
-            <a:ext cx="6282266" cy="1456267"/>
+            <a:off x="7865806" y="643463"/>
+            <a:ext cx="3706762" cy="1608124"/>
           </a:xfrm>
         </p:spPr>
         <p:txBody>
@@ -6143,86 +6148,42 @@
           <a:lstStyle/>
           <a:p>
             <a:r>
-              <a:rPr lang="es-ES"/>
-              <a:t>Descripción del proyecto</a:t>
+              <a:rPr lang="es-ES" dirty="0"/>
+              <a:t>Diseño de la  pagina</a:t>
             </a:r>
             <a:endParaRPr lang="es-CL" dirty="0"/>
           </a:p>
         </p:txBody>
       </p:sp>
-      <p:sp>
-        <p:nvSpPr>
-          <p:cNvPr id="4" name="Marcador de contenido 3">
+      <p:pic>
+        <p:nvPicPr>
+          <p:cNvPr id="3" name="Imagen 2">
             <a:extLst>
               <a:ext uri="{FF2B5EF4-FFF2-40B4-BE49-F238E27FC236}">
-                <a16:creationId xmlns:a16="http://schemas.microsoft.com/office/drawing/2014/main" id="{B1412F84-6323-4202-B34E-5059D08853BC}"/>
-              </a:ext>
-            </a:extLst>
-          </p:cNvPr>
-          <p:cNvSpPr>
-            <a:spLocks noGrp="1"/>
-          </p:cNvSpPr>
-          <p:nvPr>
-            <p:ph idx="1"/>
-          </p:nvPr>
-        </p:nvSpPr>
-        <p:spPr>
-          <a:xfrm>
-            <a:off x="685802" y="2142067"/>
-            <a:ext cx="6282266" cy="3649133"/>
-          </a:xfrm>
-        </p:spPr>
-        <p:txBody>
-          <a:bodyPr>
-            <a:normAutofit/>
-          </a:bodyPr>
-          <a:lstStyle/>
-          <a:p>
-            <a:r>
-              <a:rPr lang="es-ES"/>
-              <a:t>Generar un sistema que se pueda administrar un catálogo de películas ,series o documentales.</a:t>
-            </a:r>
-            <a:endParaRPr lang="es-CL" dirty="0"/>
-          </a:p>
-        </p:txBody>
-      </p:sp>
-      <p:pic>
-        <p:nvPicPr>
-          <p:cNvPr id="1028" name="Picture 4" descr="Llega a España la plataforma Spamflix dedicada al &quot;cine de culto&quot; |  Marca.com">
-            <a:extLst>
-              <a:ext uri="{FF2B5EF4-FFF2-40B4-BE49-F238E27FC236}">
-                <a16:creationId xmlns:a16="http://schemas.microsoft.com/office/drawing/2014/main" id="{B6EB2868-225E-4EA6-B32C-407094564D3D}"/>
+                <a16:creationId xmlns:a16="http://schemas.microsoft.com/office/drawing/2014/main" id="{FC97DA8C-48AB-4AB2-A4D5-4D87D20D6302}"/>
               </a:ext>
             </a:extLst>
           </p:cNvPr>
           <p:cNvPicPr>
-            <a:picLocks noChangeAspect="1" noChangeArrowheads="1"/>
+            <a:picLocks noChangeAspect="1"/>
           </p:cNvPicPr>
           <p:nvPr/>
         </p:nvPicPr>
-        <p:blipFill>
-          <a:blip r:embed="rId3">
-            <a:extLst>
-              <a:ext uri="{28A0092B-C50C-407E-A947-70E740481C1C}">
-                <a14:useLocalDpi xmlns:a14="http://schemas.microsoft.com/office/drawing/2010/main" val="0"/>
-              </a:ext>
-            </a:extLst>
-          </a:blip>
-          <a:stretch>
-            <a:fillRect/>
-          </a:stretch>
+        <p:blipFill rotWithShape="1">
+          <a:blip r:embed="rId3"/>
+          <a:srcRect l="41598" t="8934" b="3596"/>
+          <a:stretch/>
         </p:blipFill>
-        <p:spPr bwMode="auto">
-          <a:xfrm>
-            <a:off x="7590936" y="2422873"/>
-            <a:ext cx="3445714" cy="1936053"/>
+        <p:spPr>
+          <a:xfrm>
+            <a:off x="643464" y="1741922"/>
+            <a:ext cx="6897878" cy="3383437"/>
           </a:xfrm>
           <a:prstGeom prst="roundRect">
             <a:avLst>
               <a:gd name="adj" fmla="val 4380"/>
             </a:avLst>
           </a:prstGeom>
-          <a:noFill/>
           <a:ln w="50800" cap="sq" cmpd="dbl">
             <a:gradFill flip="none" rotWithShape="1">
               <a:gsLst>
@@ -6249,17 +6210,43 @@
               </a:srgbClr>
             </a:outerShdw>
           </a:effectLst>
-          <a:extLst>
-            <a:ext uri="{909E8E84-426E-40DD-AFC4-6F175D3DCCD1}">
-              <a14:hiddenFill xmlns:a14="http://schemas.microsoft.com/office/drawing/2010/main">
-                <a:solidFill>
-                  <a:srgbClr val="FFFFFF"/>
-                </a:solidFill>
-              </a14:hiddenFill>
-            </a:ext>
-          </a:extLst>
         </p:spPr>
       </p:pic>
+      <p:sp>
+        <p:nvSpPr>
+          <p:cNvPr id="4" name="Marcador de contenido 3">
+            <a:extLst>
+              <a:ext uri="{FF2B5EF4-FFF2-40B4-BE49-F238E27FC236}">
+                <a16:creationId xmlns:a16="http://schemas.microsoft.com/office/drawing/2014/main" id="{B1412F84-6323-4202-B34E-5059D08853BC}"/>
+              </a:ext>
+            </a:extLst>
+          </p:cNvPr>
+          <p:cNvSpPr>
+            <a:spLocks noGrp="1"/>
+          </p:cNvSpPr>
+          <p:nvPr>
+            <p:ph idx="1"/>
+          </p:nvPr>
+        </p:nvSpPr>
+        <p:spPr>
+          <a:xfrm>
+            <a:off x="7865806" y="2251587"/>
+            <a:ext cx="3706762" cy="3972232"/>
+          </a:xfrm>
+        </p:spPr>
+        <p:txBody>
+          <a:bodyPr>
+            <a:normAutofit/>
+          </a:bodyPr>
+          <a:lstStyle/>
+          <a:p>
+            <a:pPr marL="0" indent="0">
+              <a:buNone/>
+            </a:pPr>
+            <a:endParaRPr lang="es-CL" dirty="0"/>
+          </a:p>
+        </p:txBody>
+      </p:sp>
     </p:spTree>
     <p:extLst>
       <p:ext uri="{BB962C8B-B14F-4D97-AF65-F5344CB8AC3E}">
@@ -6304,7 +6291,7 @@
           <p:cNvPr id="2" name="Título 1">
             <a:extLst>
               <a:ext uri="{FF2B5EF4-FFF2-40B4-BE49-F238E27FC236}">
-                <a16:creationId xmlns:a16="http://schemas.microsoft.com/office/drawing/2014/main" id="{FAADB740-016E-4455-A564-599346DC7DCE}"/>
+                <a16:creationId xmlns:a16="http://schemas.microsoft.com/office/drawing/2014/main" id="{342B8122-4E83-40D9-B9E3-F4B77C6EF46B}"/>
               </a:ext>
             </a:extLst>
           </p:cNvPr>
@@ -6317,8 +6304,8 @@
         </p:nvSpPr>
         <p:spPr>
           <a:xfrm>
-            <a:off x="4955458" y="639097"/>
-            <a:ext cx="6593075" cy="1612490"/>
+            <a:off x="7202586" y="1030288"/>
+            <a:ext cx="6131596" cy="1035579"/>
           </a:xfrm>
         </p:spPr>
         <p:txBody>
@@ -6329,180 +6316,18 @@
           <a:p>
             <a:r>
               <a:rPr lang="es-ES" dirty="0"/>
-              <a:t>Requerimientos</a:t>
+              <a:t>BACKEND</a:t>
             </a:r>
             <a:endParaRPr lang="es-CL" dirty="0"/>
           </a:p>
         </p:txBody>
       </p:sp>
-      <p:sp>
-        <p:nvSpPr>
-          <p:cNvPr id="11" name="Content Placeholder 8">
+      <p:pic>
+        <p:nvPicPr>
+          <p:cNvPr id="5" name="Imagen 4">
             <a:extLst>
               <a:ext uri="{FF2B5EF4-FFF2-40B4-BE49-F238E27FC236}">
-                <a16:creationId xmlns:a16="http://schemas.microsoft.com/office/drawing/2014/main" id="{ABAFE3B2-C654-4BA5-AF4F-2F0EBB213B7C}"/>
-              </a:ext>
-            </a:extLst>
-          </p:cNvPr>
-          <p:cNvSpPr>
-            <a:spLocks noGrp="1"/>
-          </p:cNvSpPr>
-          <p:nvPr>
-            <p:ph idx="1"/>
-          </p:nvPr>
-        </p:nvSpPr>
-        <p:spPr>
-          <a:xfrm>
-            <a:off x="4955458" y="2251587"/>
-            <a:ext cx="6593075" cy="3972232"/>
-          </a:xfrm>
-        </p:spPr>
-        <p:txBody>
-          <a:bodyPr>
-            <a:normAutofit/>
-          </a:bodyPr>
-          <a:lstStyle/>
-          <a:p>
-            <a:pPr marL="0" indent="0">
-              <a:spcBef>
-                <a:spcPts val="0"/>
-              </a:spcBef>
-              <a:spcAft>
-                <a:spcPts val="0"/>
-              </a:spcAft>
-              <a:buNone/>
-            </a:pPr>
-            <a:r>
-              <a:rPr lang="en-US" dirty="0"/>
-              <a:t> </a:t>
-            </a:r>
-            <a:r>
-              <a:rPr lang="en-US" dirty="0" err="1"/>
-              <a:t>Funcionales</a:t>
-            </a:r>
-            <a:r>
-              <a:rPr lang="en-US" dirty="0"/>
-              <a:t>:</a:t>
-            </a:r>
-            <a:endParaRPr lang="es-ES" dirty="0">
-              <a:effectLst/>
-            </a:endParaRPr>
-          </a:p>
-          <a:p>
-            <a:pPr marL="742950" lvl="1" indent="-285750" rtl="0" fontAlgn="base">
-              <a:spcBef>
-                <a:spcPts val="0"/>
-              </a:spcBef>
-              <a:spcAft>
-                <a:spcPts val="0"/>
-              </a:spcAft>
-              <a:buFont typeface="+mj-lt"/>
-              <a:buAutoNum type="arabicPeriod"/>
-            </a:pPr>
-            <a:r>
-              <a:rPr lang="es-ES" b="0" i="0" u="none" strike="noStrike" dirty="0">
-                <a:effectLst/>
-              </a:rPr>
-              <a:t>Entregar información detallada sobre serie/película/documental solicitada por el usuario.</a:t>
-            </a:r>
-          </a:p>
-          <a:p>
-            <a:pPr marL="742950" lvl="1" indent="-285750" rtl="0" fontAlgn="base">
-              <a:spcBef>
-                <a:spcPts val="0"/>
-              </a:spcBef>
-              <a:spcAft>
-                <a:spcPts val="0"/>
-              </a:spcAft>
-              <a:buFont typeface="+mj-lt"/>
-              <a:buAutoNum type="arabicPeriod"/>
-            </a:pPr>
-            <a:r>
-              <a:rPr lang="es-ES" b="0" i="0" u="none" strike="noStrike" dirty="0">
-                <a:effectLst/>
-              </a:rPr>
-              <a:t>El sistema debe permitir al usuario registrarse o iniciar sesión.</a:t>
-            </a:r>
-          </a:p>
-          <a:p>
-            <a:endParaRPr lang="en-US" dirty="0"/>
-          </a:p>
-          <a:p>
-            <a:pPr marL="0" indent="0">
-              <a:buNone/>
-            </a:pPr>
-            <a:endParaRPr lang="en-US" dirty="0"/>
-          </a:p>
-          <a:p>
-            <a:pPr marL="0" indent="0">
-              <a:buNone/>
-            </a:pPr>
-            <a:r>
-              <a:rPr lang="en-US" dirty="0"/>
-              <a:t>  No </a:t>
-            </a:r>
-            <a:r>
-              <a:rPr lang="en-US" dirty="0" err="1"/>
-              <a:t>funcionales</a:t>
-            </a:r>
-            <a:r>
-              <a:rPr lang="en-US" dirty="0"/>
-              <a:t>:</a:t>
-            </a:r>
-          </a:p>
-          <a:p>
-            <a:pPr marL="457200" rtl="0" fontAlgn="base">
-              <a:spcBef>
-                <a:spcPts val="0"/>
-              </a:spcBef>
-              <a:spcAft>
-                <a:spcPts val="0"/>
-              </a:spcAft>
-              <a:buFont typeface="+mj-lt"/>
-              <a:buAutoNum type="arabicPeriod"/>
-            </a:pPr>
-            <a:r>
-              <a:rPr lang="es-ES" sz="1600" b="0" i="0" u="none" strike="noStrike" dirty="0">
-                <a:effectLst/>
-              </a:rPr>
-              <a:t>La respuesta de la página al entregar los detalles de los elementos solicitados por el usuario debe ser menor a 5 segundos.</a:t>
-            </a:r>
-          </a:p>
-          <a:p>
-            <a:pPr marL="457200" rtl="0" fontAlgn="base">
-              <a:spcBef>
-                <a:spcPts val="0"/>
-              </a:spcBef>
-              <a:spcAft>
-                <a:spcPts val="0"/>
-              </a:spcAft>
-              <a:buFont typeface="+mj-lt"/>
-              <a:buAutoNum type="arabicPeriod"/>
-            </a:pPr>
-            <a:r>
-              <a:rPr lang="es-ES" sz="1600" b="0" i="0" u="none" strike="noStrike" dirty="0">
-                <a:effectLst/>
-              </a:rPr>
-              <a:t>La página web debe tener una fácil accesibilidad para el usuario, siendo esta amigable y de fácil utilización.</a:t>
-            </a:r>
-          </a:p>
-          <a:p>
-            <a:pPr marL="0" indent="0">
-              <a:buNone/>
-            </a:pPr>
-            <a:endParaRPr lang="en-US" dirty="0"/>
-          </a:p>
-          <a:p>
-            <a:endParaRPr lang="en-US" dirty="0"/>
-          </a:p>
-        </p:txBody>
-      </p:sp>
-      <p:pic>
-        <p:nvPicPr>
-          <p:cNvPr id="5" name="Marcador de contenido 4" descr="Icono&#10;&#10;Descripción generada automáticamente">
-            <a:extLst>
-              <a:ext uri="{FF2B5EF4-FFF2-40B4-BE49-F238E27FC236}">
-                <a16:creationId xmlns:a16="http://schemas.microsoft.com/office/drawing/2014/main" id="{A87E8CF3-CF79-444F-80B1-85C2E9BD3A98}"/>
+                <a16:creationId xmlns:a16="http://schemas.microsoft.com/office/drawing/2014/main" id="{12C54C31-0C05-4560-8CF7-61FAA8EDAA86}"/>
               </a:ext>
             </a:extLst>
           </p:cNvPr>
@@ -6511,26 +6336,19 @@
           </p:cNvPicPr>
           <p:nvPr/>
         </p:nvPicPr>
-        <p:blipFill>
-          <a:blip r:embed="rId3">
-            <a:extLst>
-              <a:ext uri="{28A0092B-C50C-407E-A947-70E740481C1C}">
-                <a14:useLocalDpi xmlns:a14="http://schemas.microsoft.com/office/drawing/2010/main" val="0"/>
-              </a:ext>
-            </a:extLst>
-          </a:blip>
-          <a:stretch>
-            <a:fillRect/>
-          </a:stretch>
+        <p:blipFill rotWithShape="1">
+          <a:blip r:embed="rId3"/>
+          <a:srcRect l="51959" t="3244" r="722" b="15982"/>
+          <a:stretch/>
         </p:blipFill>
         <p:spPr>
           <a:xfrm>
-            <a:off x="643464" y="1310566"/>
-            <a:ext cx="3997362" cy="4232500"/>
+            <a:off x="522779" y="3694242"/>
+            <a:ext cx="4859926" cy="2716920"/>
           </a:xfrm>
           <a:prstGeom prst="roundRect">
             <a:avLst>
-              <a:gd name="adj" fmla="val 4380"/>
+              <a:gd name="adj" fmla="val 7306"/>
             </a:avLst>
           </a:prstGeom>
           <a:ln w="50800" cap="sq" cmpd="dbl">
@@ -6561,10 +6379,99 @@
           </a:effectLst>
         </p:spPr>
       </p:pic>
+      <p:sp>
+        <p:nvSpPr>
+          <p:cNvPr id="11" name="Content Placeholder 8">
+            <a:extLst>
+              <a:ext uri="{FF2B5EF4-FFF2-40B4-BE49-F238E27FC236}">
+                <a16:creationId xmlns:a16="http://schemas.microsoft.com/office/drawing/2014/main" id="{5351F36C-0E1E-4032-8666-C8FF7CDAECC7}"/>
+              </a:ext>
+            </a:extLst>
+          </p:cNvPr>
+          <p:cNvSpPr>
+            <a:spLocks noGrp="1"/>
+          </p:cNvSpPr>
+          <p:nvPr>
+            <p:ph idx="1"/>
+          </p:nvPr>
+        </p:nvSpPr>
+        <p:spPr>
+          <a:xfrm>
+            <a:off x="5882834" y="2029557"/>
+            <a:ext cx="6131596" cy="3649133"/>
+          </a:xfrm>
+        </p:spPr>
+        <p:txBody>
+          <a:bodyPr>
+            <a:normAutofit/>
+          </a:bodyPr>
+          <a:lstStyle/>
+          <a:p>
+            <a:endParaRPr lang="en-US" dirty="0"/>
+          </a:p>
+        </p:txBody>
+      </p:sp>
+      <p:pic>
+        <p:nvPicPr>
+          <p:cNvPr id="3" name="Imagen 2">
+            <a:extLst>
+              <a:ext uri="{FF2B5EF4-FFF2-40B4-BE49-F238E27FC236}">
+                <a16:creationId xmlns:a16="http://schemas.microsoft.com/office/drawing/2014/main" id="{78EE7E51-D285-47DD-A88B-1C6C095176C9}"/>
+              </a:ext>
+            </a:extLst>
+          </p:cNvPr>
+          <p:cNvPicPr>
+            <a:picLocks noChangeAspect="1"/>
+          </p:cNvPicPr>
+          <p:nvPr/>
+        </p:nvPicPr>
+        <p:blipFill rotWithShape="1">
+          <a:blip r:embed="rId4"/>
+          <a:srcRect l="43608" t="8934" r="48892" b="39355"/>
+          <a:stretch/>
+        </p:blipFill>
+        <p:spPr>
+          <a:xfrm>
+            <a:off x="1374774" y="306559"/>
+            <a:ext cx="1349445" cy="3047112"/>
+          </a:xfrm>
+          <a:prstGeom prst="roundRect">
+            <a:avLst>
+              <a:gd name="adj" fmla="val 7306"/>
+            </a:avLst>
+          </a:prstGeom>
+          <a:ln w="50800" cap="sq" cmpd="dbl">
+            <a:gradFill flip="none" rotWithShape="1">
+              <a:gsLst>
+                <a:gs pos="0">
+                  <a:srgbClr val="FFFFFF"/>
+                </a:gs>
+                <a:gs pos="100000">
+                  <a:schemeClr val="tx1">
+                    <a:alpha val="0"/>
+                  </a:schemeClr>
+                </a:gs>
+              </a:gsLst>
+              <a:path path="circle">
+                <a:fillToRect l="50000" t="50000" r="50000" b="50000"/>
+              </a:path>
+              <a:tileRect/>
+            </a:gradFill>
+            <a:miter lim="800000"/>
+          </a:ln>
+          <a:effectLst>
+            <a:outerShdw blurRad="254000" algn="tl" rotWithShape="0">
+              <a:srgbClr val="000000">
+                <a:alpha val="43000"/>
+              </a:srgbClr>
+            </a:outerShdw>
+          </a:effectLst>
+        </p:spPr>
+      </p:pic>
     </p:spTree>
     <p:extLst>
       <p:ext uri="{BB962C8B-B14F-4D97-AF65-F5344CB8AC3E}">
-        <p14:creationId xmlns:p14="http://schemas.microsoft.com/office/powerpoint/2010/main" val="714826661"/>
+        <p14:creationId xmlns:p14="http://schemas.microsoft.com/office/powerpoint/2010/main" val="1908588226"/>
       </p:ext>
     </p:extLst>
   </p:cSld>
@@ -6605,7 +6512,7 @@
           <p:cNvPr id="2" name="Título 1">
             <a:extLst>
               <a:ext uri="{FF2B5EF4-FFF2-40B4-BE49-F238E27FC236}">
-                <a16:creationId xmlns:a16="http://schemas.microsoft.com/office/drawing/2014/main" id="{342B8122-4E83-40D9-B9E3-F4B77C6EF46B}"/>
+                <a16:creationId xmlns:a16="http://schemas.microsoft.com/office/drawing/2014/main" id="{AD0DF431-077D-44EF-91DB-3B765877F017}"/>
               </a:ext>
             </a:extLst>
           </p:cNvPr>
@@ -6618,8 +6525,8 @@
         </p:nvSpPr>
         <p:spPr>
           <a:xfrm>
-            <a:off x="6717278" y="1030288"/>
-            <a:ext cx="4099947" cy="1035579"/>
+            <a:off x="7865806" y="643463"/>
+            <a:ext cx="3706762" cy="1608124"/>
           </a:xfrm>
         </p:spPr>
         <p:txBody>
@@ -6628,52 +6535,16 @@
           </a:bodyPr>
           <a:lstStyle/>
           <a:p>
-            <a:r>
-              <a:rPr lang="es-ES"/>
-              <a:t>BACKEND</a:t>
-            </a:r>
-            <a:endParaRPr lang="es-CL"/>
-          </a:p>
-        </p:txBody>
-      </p:sp>
-      <p:sp>
-        <p:nvSpPr>
-          <p:cNvPr id="11" name="Content Placeholder 8">
+            <a:endParaRPr lang="es-CL" dirty="0"/>
+          </a:p>
+        </p:txBody>
+      </p:sp>
+      <p:pic>
+        <p:nvPicPr>
+          <p:cNvPr id="3" name="Imagen 2">
             <a:extLst>
               <a:ext uri="{FF2B5EF4-FFF2-40B4-BE49-F238E27FC236}">
-                <a16:creationId xmlns:a16="http://schemas.microsoft.com/office/drawing/2014/main" id="{5351F36C-0E1E-4032-8666-C8FF7CDAECC7}"/>
-              </a:ext>
-            </a:extLst>
-          </p:cNvPr>
-          <p:cNvSpPr>
-            <a:spLocks noGrp="1"/>
-          </p:cNvSpPr>
-          <p:nvPr>
-            <p:ph idx="1"/>
-          </p:nvPr>
-        </p:nvSpPr>
-        <p:spPr>
-          <a:xfrm>
-            <a:off x="6717278" y="2142067"/>
-            <a:ext cx="4099947" cy="3649133"/>
-          </a:xfrm>
-        </p:spPr>
-        <p:txBody>
-          <a:bodyPr>
-            <a:normAutofit/>
-          </a:bodyPr>
-          <a:lstStyle/>
-          <a:p>
-            <a:endParaRPr lang="en-US"/>
-          </a:p>
-        </p:txBody>
-      </p:sp>
-      <p:pic>
-        <p:nvPicPr>
-          <p:cNvPr id="4" name="Marcador de contenido 3">
-            <a:extLst>
-              <a:ext uri="{FF2B5EF4-FFF2-40B4-BE49-F238E27FC236}">
-                <a16:creationId xmlns:a16="http://schemas.microsoft.com/office/drawing/2014/main" id="{3B6A9831-2375-48E0-A6CE-372486BE65A0}"/>
+                <a16:creationId xmlns:a16="http://schemas.microsoft.com/office/drawing/2014/main" id="{AA544A1F-6B0D-4FAD-8908-DCBC26447821}"/>
               </a:ext>
             </a:extLst>
           </p:cNvPr>
@@ -6684,234 +6555,13 @@
         </p:nvPicPr>
         <p:blipFill rotWithShape="1">
           <a:blip r:embed="rId3"/>
-          <a:srcRect l="4524" t="14558" r="85724" b="45429"/>
+          <a:srcRect l="52501" t="9213" r="4200" b="7831"/>
           <a:stretch/>
         </p:blipFill>
         <p:spPr>
           <a:xfrm>
-            <a:off x="2807611" y="639098"/>
-            <a:ext cx="1166577" cy="2692424"/>
-          </a:xfrm>
-          <a:prstGeom prst="roundRect">
-            <a:avLst>
-              <a:gd name="adj" fmla="val 6267"/>
-            </a:avLst>
-          </a:prstGeom>
-          <a:ln w="50800" cap="sq" cmpd="dbl">
-            <a:gradFill flip="none" rotWithShape="1">
-              <a:gsLst>
-                <a:gs pos="0">
-                  <a:srgbClr val="FFFFFF"/>
-                </a:gs>
-                <a:gs pos="100000">
-                  <a:schemeClr val="tx1">
-                    <a:alpha val="0"/>
-                  </a:schemeClr>
-                </a:gs>
-              </a:gsLst>
-              <a:path path="circle">
-                <a:fillToRect l="50000" t="50000" r="50000" b="50000"/>
-              </a:path>
-              <a:tileRect/>
-            </a:gradFill>
-            <a:miter lim="800000"/>
-          </a:ln>
-          <a:effectLst>
-            <a:outerShdw blurRad="254000" algn="tl" rotWithShape="0">
-              <a:srgbClr val="000000">
-                <a:alpha val="43000"/>
-              </a:srgbClr>
-            </a:outerShdw>
-          </a:effectLst>
-        </p:spPr>
-      </p:pic>
-      <p:pic>
-        <p:nvPicPr>
-          <p:cNvPr id="7" name="Marcador de contenido 4">
-            <a:extLst>
-              <a:ext uri="{FF2B5EF4-FFF2-40B4-BE49-F238E27FC236}">
-                <a16:creationId xmlns:a16="http://schemas.microsoft.com/office/drawing/2014/main" id="{596FDAEF-490E-43FB-A633-88A921ECB646}"/>
-              </a:ext>
-            </a:extLst>
-          </p:cNvPr>
-          <p:cNvPicPr>
-            <a:picLocks noChangeAspect="1"/>
-          </p:cNvPicPr>
-          <p:nvPr/>
-        </p:nvPicPr>
-        <p:blipFill rotWithShape="1">
-          <a:blip r:embed="rId4"/>
-          <a:srcRect l="16038" t="4286" r="10115" b="37019"/>
-          <a:stretch/>
-        </p:blipFill>
-        <p:spPr>
-          <a:xfrm>
-            <a:off x="663839" y="3649094"/>
-            <a:ext cx="5454122" cy="2438458"/>
-          </a:xfrm>
-          <a:prstGeom prst="roundRect">
-            <a:avLst>
-              <a:gd name="adj" fmla="val 6267"/>
-            </a:avLst>
-          </a:prstGeom>
-          <a:ln w="50800" cap="sq" cmpd="dbl">
-            <a:gradFill flip="none" rotWithShape="1">
-              <a:gsLst>
-                <a:gs pos="0">
-                  <a:srgbClr val="FFFFFF"/>
-                </a:gs>
-                <a:gs pos="100000">
-                  <a:schemeClr val="tx1">
-                    <a:alpha val="0"/>
-                  </a:schemeClr>
-                </a:gs>
-              </a:gsLst>
-              <a:path path="circle">
-                <a:fillToRect l="50000" t="50000" r="50000" b="50000"/>
-              </a:path>
-              <a:tileRect/>
-            </a:gradFill>
-            <a:miter lim="800000"/>
-          </a:ln>
-          <a:effectLst>
-            <a:outerShdw blurRad="254000" algn="tl" rotWithShape="0">
-              <a:srgbClr val="000000">
-                <a:alpha val="43000"/>
-              </a:srgbClr>
-            </a:outerShdw>
-          </a:effectLst>
-        </p:spPr>
-      </p:pic>
-    </p:spTree>
-    <p:extLst>
-      <p:ext uri="{BB962C8B-B14F-4D97-AF65-F5344CB8AC3E}">
-        <p14:creationId xmlns:p14="http://schemas.microsoft.com/office/powerpoint/2010/main" val="1908588226"/>
-      </p:ext>
-    </p:extLst>
-  </p:cSld>
-  <p:clrMapOvr>
-    <a:masterClrMapping/>
-  </p:clrMapOvr>
-</p:sld>
-</file>
-
-<file path=ppt/slides/slide5.xml><?xml version="1.0" encoding="utf-8"?>
-<p:sld xmlns:a="http://schemas.openxmlformats.org/drawingml/2006/main" xmlns:r="http://schemas.openxmlformats.org/officeDocument/2006/relationships" xmlns:p="http://schemas.openxmlformats.org/presentationml/2006/main">
-  <p:cSld>
-    <p:bg>
-      <p:bgPr>
-        <a:blipFill>
-          <a:blip r:embed="rId2"/>
-          <a:stretch/>
-        </a:blipFill>
-        <a:effectLst/>
-      </p:bgPr>
-    </p:bg>
-    <p:spTree>
-      <p:nvGrpSpPr>
-        <p:cNvPr id="1" name=""/>
-        <p:cNvGrpSpPr/>
-        <p:nvPr/>
-      </p:nvGrpSpPr>
-      <p:grpSpPr>
-        <a:xfrm>
-          <a:off x="0" y="0"/>
-          <a:ext cx="0" cy="0"/>
-          <a:chOff x="0" y="0"/>
-          <a:chExt cx="0" cy="0"/>
-        </a:xfrm>
-      </p:grpSpPr>
-      <p:sp>
-        <p:nvSpPr>
-          <p:cNvPr id="2" name="Título 1">
-            <a:extLst>
-              <a:ext uri="{FF2B5EF4-FFF2-40B4-BE49-F238E27FC236}">
-                <a16:creationId xmlns:a16="http://schemas.microsoft.com/office/drawing/2014/main" id="{AD0DF431-077D-44EF-91DB-3B765877F017}"/>
-              </a:ext>
-            </a:extLst>
-          </p:cNvPr>
-          <p:cNvSpPr>
-            <a:spLocks noGrp="1"/>
-          </p:cNvSpPr>
-          <p:nvPr>
-            <p:ph type="title"/>
-          </p:nvPr>
-        </p:nvSpPr>
-        <p:spPr>
-          <a:xfrm>
-            <a:off x="6400800" y="609600"/>
-            <a:ext cx="5147730" cy="1641987"/>
-          </a:xfrm>
-        </p:spPr>
-        <p:txBody>
-          <a:bodyPr>
-            <a:normAutofit/>
-          </a:bodyPr>
-          <a:lstStyle/>
-          <a:p>
-            <a:r>
-              <a:rPr lang="es-ES" dirty="0"/>
-              <a:t>CONEXIÓN A DB</a:t>
-            </a:r>
-            <a:endParaRPr lang="es-CL" dirty="0"/>
-          </a:p>
-        </p:txBody>
-      </p:sp>
-      <p:sp>
-        <p:nvSpPr>
-          <p:cNvPr id="9" name="Content Placeholder 8">
-            <a:extLst>
-              <a:ext uri="{FF2B5EF4-FFF2-40B4-BE49-F238E27FC236}">
-                <a16:creationId xmlns:a16="http://schemas.microsoft.com/office/drawing/2014/main" id="{BA944E85-E7B7-4D49-A3B3-90059FD63E32}"/>
-              </a:ext>
-            </a:extLst>
-          </p:cNvPr>
-          <p:cNvSpPr>
-            <a:spLocks noGrp="1"/>
-          </p:cNvSpPr>
-          <p:nvPr>
-            <p:ph idx="1"/>
-          </p:nvPr>
-        </p:nvSpPr>
-        <p:spPr>
-          <a:xfrm>
-            <a:off x="6400800" y="2251587"/>
-            <a:ext cx="5147730" cy="3637935"/>
-          </a:xfrm>
-        </p:spPr>
-        <p:txBody>
-          <a:bodyPr>
-            <a:normAutofit/>
-          </a:bodyPr>
-          <a:lstStyle/>
-          <a:p>
-            <a:endParaRPr lang="en-US"/>
-          </a:p>
-        </p:txBody>
-      </p:sp>
-      <p:pic>
-        <p:nvPicPr>
-          <p:cNvPr id="6" name="Imagen 5">
-            <a:extLst>
-              <a:ext uri="{FF2B5EF4-FFF2-40B4-BE49-F238E27FC236}">
-                <a16:creationId xmlns:a16="http://schemas.microsoft.com/office/drawing/2014/main" id="{963EFF6B-BE7B-462B-B231-1F2A21BA4922}"/>
-              </a:ext>
-            </a:extLst>
-          </p:cNvPr>
-          <p:cNvPicPr>
-            <a:picLocks noChangeAspect="1"/>
-          </p:cNvPicPr>
-          <p:nvPr/>
-        </p:nvPicPr>
-        <p:blipFill rotWithShape="1">
-          <a:blip r:embed="rId3"/>
-          <a:srcRect l="15632" t="3743" r="43346" b="40559"/>
-          <a:stretch/>
-        </p:blipFill>
-        <p:spPr>
-          <a:xfrm>
-            <a:off x="648930" y="1184238"/>
-            <a:ext cx="5447070" cy="4160142"/>
+            <a:off x="643464" y="1269593"/>
+            <a:ext cx="6897878" cy="4328096"/>
           </a:xfrm>
           <a:prstGeom prst="roundRect">
             <a:avLst>
@@ -6946,10 +6596,132 @@
           </a:effectLst>
         </p:spPr>
       </p:pic>
+      <p:sp>
+        <p:nvSpPr>
+          <p:cNvPr id="9" name="Content Placeholder 8">
+            <a:extLst>
+              <a:ext uri="{FF2B5EF4-FFF2-40B4-BE49-F238E27FC236}">
+                <a16:creationId xmlns:a16="http://schemas.microsoft.com/office/drawing/2014/main" id="{BA944E85-E7B7-4D49-A3B3-90059FD63E32}"/>
+              </a:ext>
+            </a:extLst>
+          </p:cNvPr>
+          <p:cNvSpPr>
+            <a:spLocks noGrp="1"/>
+          </p:cNvSpPr>
+          <p:nvPr>
+            <p:ph idx="1"/>
+          </p:nvPr>
+        </p:nvSpPr>
+        <p:spPr>
+          <a:xfrm>
+            <a:off x="7865806" y="2251587"/>
+            <a:ext cx="3706762" cy="3972232"/>
+          </a:xfrm>
+        </p:spPr>
+        <p:txBody>
+          <a:bodyPr>
+            <a:normAutofit/>
+          </a:bodyPr>
+          <a:lstStyle/>
+          <a:p>
+            <a:endParaRPr lang="en-US"/>
+          </a:p>
+        </p:txBody>
+      </p:sp>
     </p:spTree>
     <p:extLst>
       <p:ext uri="{BB962C8B-B14F-4D97-AF65-F5344CB8AC3E}">
         <p14:creationId xmlns:p14="http://schemas.microsoft.com/office/powerpoint/2010/main" val="2421533853"/>
+      </p:ext>
+    </p:extLst>
+  </p:cSld>
+  <p:clrMapOvr>
+    <a:masterClrMapping/>
+  </p:clrMapOvr>
+</p:sld>
+</file>
+
+<file path=ppt/slides/slide5.xml><?xml version="1.0" encoding="utf-8"?>
+<p:sld xmlns:a="http://schemas.openxmlformats.org/drawingml/2006/main" xmlns:r="http://schemas.openxmlformats.org/officeDocument/2006/relationships" xmlns:p="http://schemas.openxmlformats.org/presentationml/2006/main">
+  <p:cSld>
+    <p:spTree>
+      <p:nvGrpSpPr>
+        <p:cNvPr id="1" name=""/>
+        <p:cNvGrpSpPr/>
+        <p:nvPr/>
+      </p:nvGrpSpPr>
+      <p:grpSpPr>
+        <a:xfrm>
+          <a:off x="0" y="0"/>
+          <a:ext cx="0" cy="0"/>
+          <a:chOff x="0" y="0"/>
+          <a:chExt cx="0" cy="0"/>
+        </a:xfrm>
+      </p:grpSpPr>
+      <p:sp>
+        <p:nvSpPr>
+          <p:cNvPr id="2" name="Título 1">
+            <a:extLst>
+              <a:ext uri="{FF2B5EF4-FFF2-40B4-BE49-F238E27FC236}">
+                <a16:creationId xmlns:a16="http://schemas.microsoft.com/office/drawing/2014/main" id="{2F98161D-1CE8-4061-8B56-C44872800EAA}"/>
+              </a:ext>
+            </a:extLst>
+          </p:cNvPr>
+          <p:cNvSpPr>
+            <a:spLocks noGrp="1"/>
+          </p:cNvSpPr>
+          <p:nvPr>
+            <p:ph type="title"/>
+          </p:nvPr>
+        </p:nvSpPr>
+        <p:spPr/>
+        <p:txBody>
+          <a:bodyPr/>
+          <a:lstStyle/>
+          <a:p>
+            <a:r>
+              <a:rPr lang="es-ES" dirty="0" err="1"/>
+              <a:t>Login</a:t>
+            </a:r>
+            <a:endParaRPr lang="es-CL" dirty="0"/>
+          </a:p>
+        </p:txBody>
+      </p:sp>
+      <p:pic>
+        <p:nvPicPr>
+          <p:cNvPr id="4" name="Marcador de contenido 3">
+            <a:extLst>
+              <a:ext uri="{FF2B5EF4-FFF2-40B4-BE49-F238E27FC236}">
+                <a16:creationId xmlns:a16="http://schemas.microsoft.com/office/drawing/2014/main" id="{6854138D-0282-4A2E-AE21-09F843304EDD}"/>
+              </a:ext>
+            </a:extLst>
+          </p:cNvPr>
+          <p:cNvPicPr>
+            <a:picLocks noGrp="1" noChangeAspect="1"/>
+          </p:cNvPicPr>
+          <p:nvPr>
+            <p:ph idx="1"/>
+          </p:nvPr>
+        </p:nvPicPr>
+        <p:blipFill rotWithShape="1">
+          <a:blip r:embed="rId2"/>
+          <a:srcRect l="41521" t="9303" b="46963"/>
+          <a:stretch/>
+        </p:blipFill>
+        <p:spPr>
+          <a:xfrm>
+            <a:off x="685801" y="1923242"/>
+            <a:ext cx="7477983" cy="1838053"/>
+          </a:xfrm>
+          <a:prstGeom prst="rect">
+            <a:avLst/>
+          </a:prstGeom>
+        </p:spPr>
+      </p:pic>
+    </p:spTree>
+    <p:extLst>
+      <p:ext uri="{BB962C8B-B14F-4D97-AF65-F5344CB8AC3E}">
+        <p14:creationId xmlns:p14="http://schemas.microsoft.com/office/powerpoint/2010/main" val="1128057975"/>
       </p:ext>
     </p:extLst>
   </p:cSld>
@@ -7225,13 +6997,13 @@
         </p:spPr>
         <p:txBody>
           <a:bodyPr>
-            <a:normAutofit/>
+            <a:normAutofit fontScale="90000"/>
           </a:bodyPr>
           <a:lstStyle/>
           <a:p>
             <a:r>
               <a:rPr lang="es-ES" dirty="0"/>
-              <a:t>MODELO RELACIONAL</a:t>
+              <a:t>Explicación consultas mediante modelo relacional</a:t>
             </a:r>
             <a:endParaRPr lang="es-CL" dirty="0"/>
           </a:p>
@@ -7239,10 +7011,10 @@
       </p:sp>
       <p:pic>
         <p:nvPicPr>
-          <p:cNvPr id="5" name="Imagen 4">
+          <p:cNvPr id="6" name="Marcador de contenido 5" descr="Diagrama&#10;&#10;Descripción generada automáticamente">
             <a:extLst>
               <a:ext uri="{FF2B5EF4-FFF2-40B4-BE49-F238E27FC236}">
-                <a16:creationId xmlns:a16="http://schemas.microsoft.com/office/drawing/2014/main" id="{9B09B86C-D4A2-4FFA-A077-E086498F7E87}"/>
+                <a16:creationId xmlns:a16="http://schemas.microsoft.com/office/drawing/2014/main" id="{2939240E-2CD9-4D95-A7E5-4F178F1FBC0D}"/>
               </a:ext>
             </a:extLst>
           </p:cNvPr>
@@ -7251,15 +7023,22 @@
           </p:cNvPicPr>
           <p:nvPr/>
         </p:nvPicPr>
-        <p:blipFill rotWithShape="1">
-          <a:blip r:embed="rId3"/>
-          <a:srcRect l="28385" t="39994" r="26731" b="8870"/>
-          <a:stretch/>
+        <p:blipFill>
+          <a:blip r:embed="rId3">
+            <a:extLst>
+              <a:ext uri="{28A0092B-C50C-407E-A947-70E740481C1C}">
+                <a14:useLocalDpi xmlns:a14="http://schemas.microsoft.com/office/drawing/2010/main" val="0"/>
+              </a:ext>
+            </a:extLst>
+          </a:blip>
+          <a:stretch>
+            <a:fillRect/>
+          </a:stretch>
         </p:blipFill>
         <p:spPr>
           <a:xfrm>
-            <a:off x="643464" y="1493613"/>
-            <a:ext cx="6897878" cy="3880055"/>
+            <a:off x="374432" y="728305"/>
+            <a:ext cx="5343190" cy="5580356"/>
           </a:xfrm>
           <a:prstGeom prst="roundRect">
             <a:avLst>
@@ -7296,10 +7075,10 @@
       </p:pic>
       <p:sp>
         <p:nvSpPr>
-          <p:cNvPr id="4" name="Marcador de contenido 3">
+          <p:cNvPr id="10" name="Content Placeholder 9">
             <a:extLst>
               <a:ext uri="{FF2B5EF4-FFF2-40B4-BE49-F238E27FC236}">
-                <a16:creationId xmlns:a16="http://schemas.microsoft.com/office/drawing/2014/main" id="{CE3FDABC-90BA-4695-99AE-1367FB2CA68B}"/>
+                <a16:creationId xmlns:a16="http://schemas.microsoft.com/office/drawing/2014/main" id="{630070DF-6D7F-49E2-AFA1-B373D8E26BBD}"/>
               </a:ext>
             </a:extLst>
           </p:cNvPr>
@@ -7312,7 +7091,7 @@
         </p:nvSpPr>
         <p:spPr>
           <a:xfrm>
-            <a:off x="7865806" y="2251587"/>
+            <a:off x="7865806" y="2620298"/>
             <a:ext cx="3706762" cy="3972232"/>
           </a:xfrm>
         </p:spPr>
@@ -7322,7 +7101,7 @@
           </a:bodyPr>
           <a:lstStyle/>
           <a:p>
-            <a:endParaRPr lang="es-CL" dirty="0"/>
+            <a:endParaRPr lang="en-US" dirty="0"/>
           </a:p>
         </p:txBody>
       </p:sp>
